--- a/Later/Java_Later/MongoDB/13/Install MongoDB On Windows_msi.pptx
+++ b/Later/Java_Later/MongoDB/13/Install MongoDB On Windows_msi.pptx
@@ -3928,21 +3928,15 @@
           <a:lstStyle/>
           <a:p>
             <a:r>
-              <a:rPr lang="en-US" dirty="0">
-                <a:hlinkClick r:id="rId3"/>
-              </a:rPr>
-              <a:t>https://</a:t>
-            </a:r>
-            <a:r>
               <a:rPr lang="en-US" dirty="0" smtClean="0">
                 <a:hlinkClick r:id="rId3"/>
               </a:rPr>
-              <a:t>www.mongodb.com/download-center/community</a:t>
+              <a:t>https://www.mongodb.com/download-center/community</a:t>
             </a:r>
             <a:endParaRPr lang="en-US" dirty="0" smtClean="0"/>
           </a:p>
           <a:p>
-            <a:endParaRPr lang="en-US" dirty="0"/>
+            <a:endParaRPr lang="en-US" dirty="0" smtClean="0"/>
           </a:p>
           <a:p>
             <a:endParaRPr lang="en-US" dirty="0" smtClean="0"/>
@@ -3952,9 +3946,9 @@
               <a:rPr lang="en-US">
                 <a:hlinkClick r:id="rId4"/>
               </a:rPr>
-              <a:t>https://www.tutorialspoint.com/mongodb/mongodb_environment.htm</a:t>
-            </a:r>
-            <a:endParaRPr lang="en-US"/>
+              <a:t>https://www.guru99.com/installation-configuration-mongodb.html#1</a:t>
+            </a:r>
+            <a:endParaRPr lang="en-US" dirty="0"/>
           </a:p>
         </p:txBody>
       </p:sp>
